--- a/HW2.pptx
+++ b/HW2.pptx
@@ -11,18 +11,20 @@
     <p:sldId id="259" r:id="rId5"/>
     <p:sldId id="279" r:id="rId6"/>
     <p:sldId id="280" r:id="rId7"/>
-    <p:sldId id="281" r:id="rId8"/>
-    <p:sldId id="282" r:id="rId9"/>
-    <p:sldId id="283" r:id="rId10"/>
-    <p:sldId id="284" r:id="rId11"/>
-    <p:sldId id="285" r:id="rId12"/>
-    <p:sldId id="286" r:id="rId13"/>
-    <p:sldId id="287" r:id="rId14"/>
-    <p:sldId id="288" r:id="rId15"/>
-    <p:sldId id="289" r:id="rId16"/>
-    <p:sldId id="290" r:id="rId17"/>
-    <p:sldId id="261" r:id="rId18"/>
-    <p:sldId id="291" r:id="rId19"/>
+    <p:sldId id="293" r:id="rId8"/>
+    <p:sldId id="292" r:id="rId9"/>
+    <p:sldId id="281" r:id="rId10"/>
+    <p:sldId id="282" r:id="rId11"/>
+    <p:sldId id="283" r:id="rId12"/>
+    <p:sldId id="284" r:id="rId13"/>
+    <p:sldId id="285" r:id="rId14"/>
+    <p:sldId id="286" r:id="rId15"/>
+    <p:sldId id="287" r:id="rId16"/>
+    <p:sldId id="288" r:id="rId17"/>
+    <p:sldId id="289" r:id="rId18"/>
+    <p:sldId id="290" r:id="rId19"/>
+    <p:sldId id="261" r:id="rId20"/>
+    <p:sldId id="291" r:id="rId21"/>
   </p:sldIdLst>
   <p:sldSz cx="12192000" cy="6858000"/>
   <p:notesSz cx="6858000" cy="9144000"/>
@@ -132,6 +134,8 @@
             <p14:sldId id="259"/>
             <p14:sldId id="279"/>
             <p14:sldId id="280"/>
+            <p14:sldId id="293"/>
+            <p14:sldId id="292"/>
             <p14:sldId id="281"/>
             <p14:sldId id="282"/>
             <p14:sldId id="283"/>
@@ -294,7 +298,7 @@
           <a:p>
             <a:fld id="{3D19A780-1C4C-443C-B260-C6832B2E3A31}" type="datetimeFigureOut">
               <a:rPr lang="zh-TW" altLang="en-US" smtClean="0"/>
-              <a:t>2019/12/2</a:t>
+              <a:t>2019/12/8</a:t>
             </a:fld>
             <a:endParaRPr lang="zh-TW" altLang="en-US"/>
           </a:p>
@@ -505,7 +509,7 @@
           <a:p>
             <a:fld id="{3D19A780-1C4C-443C-B260-C6832B2E3A31}" type="datetimeFigureOut">
               <a:rPr lang="zh-TW" altLang="en-US" smtClean="0"/>
-              <a:t>2019/12/2</a:t>
+              <a:t>2019/12/8</a:t>
             </a:fld>
             <a:endParaRPr lang="zh-TW" altLang="en-US"/>
           </a:p>
@@ -720,7 +724,7 @@
           <a:p>
             <a:fld id="{3D19A780-1C4C-443C-B260-C6832B2E3A31}" type="datetimeFigureOut">
               <a:rPr lang="zh-TW" altLang="en-US" smtClean="0"/>
-              <a:t>2019/12/2</a:t>
+              <a:t>2019/12/8</a:t>
             </a:fld>
             <a:endParaRPr lang="zh-TW" altLang="en-US"/>
           </a:p>
@@ -921,7 +925,7 @@
           <a:p>
             <a:fld id="{3D19A780-1C4C-443C-B260-C6832B2E3A31}" type="datetimeFigureOut">
               <a:rPr lang="zh-TW" altLang="en-US" smtClean="0"/>
-              <a:t>2019/12/2</a:t>
+              <a:t>2019/12/8</a:t>
             </a:fld>
             <a:endParaRPr lang="zh-TW" altLang="en-US"/>
           </a:p>
@@ -1200,7 +1204,7 @@
           <a:p>
             <a:fld id="{3D19A780-1C4C-443C-B260-C6832B2E3A31}" type="datetimeFigureOut">
               <a:rPr lang="zh-TW" altLang="en-US" smtClean="0"/>
-              <a:t>2019/12/2</a:t>
+              <a:t>2019/12/8</a:t>
             </a:fld>
             <a:endParaRPr lang="zh-TW" altLang="en-US"/>
           </a:p>
@@ -1468,7 +1472,7 @@
           <a:p>
             <a:fld id="{3D19A780-1C4C-443C-B260-C6832B2E3A31}" type="datetimeFigureOut">
               <a:rPr lang="zh-TW" altLang="en-US" smtClean="0"/>
-              <a:t>2019/12/2</a:t>
+              <a:t>2019/12/8</a:t>
             </a:fld>
             <a:endParaRPr lang="zh-TW" altLang="en-US"/>
           </a:p>
@@ -1884,7 +1888,7 @@
           <a:p>
             <a:fld id="{3D19A780-1C4C-443C-B260-C6832B2E3A31}" type="datetimeFigureOut">
               <a:rPr lang="zh-TW" altLang="en-US" smtClean="0"/>
-              <a:t>2019/12/2</a:t>
+              <a:t>2019/12/8</a:t>
             </a:fld>
             <a:endParaRPr lang="zh-TW" altLang="en-US"/>
           </a:p>
@@ -2033,7 +2037,7 @@
           <a:p>
             <a:fld id="{3D19A780-1C4C-443C-B260-C6832B2E3A31}" type="datetimeFigureOut">
               <a:rPr lang="zh-TW" altLang="en-US" smtClean="0"/>
-              <a:t>2019/12/2</a:t>
+              <a:t>2019/12/8</a:t>
             </a:fld>
             <a:endParaRPr lang="zh-TW" altLang="en-US"/>
           </a:p>
@@ -2159,7 +2163,7 @@
           <a:p>
             <a:fld id="{3D19A780-1C4C-443C-B260-C6832B2E3A31}" type="datetimeFigureOut">
               <a:rPr lang="zh-TW" altLang="en-US" smtClean="0"/>
-              <a:t>2019/12/2</a:t>
+              <a:t>2019/12/8</a:t>
             </a:fld>
             <a:endParaRPr lang="zh-TW" altLang="en-US"/>
           </a:p>
@@ -2410,7 +2414,7 @@
           <a:p>
             <a:fld id="{3D19A780-1C4C-443C-B260-C6832B2E3A31}" type="datetimeFigureOut">
               <a:rPr lang="zh-TW" altLang="en-US" smtClean="0"/>
-              <a:t>2019/12/2</a:t>
+              <a:t>2019/12/8</a:t>
             </a:fld>
             <a:endParaRPr lang="zh-TW" altLang="en-US"/>
           </a:p>
@@ -2855,7 +2859,7 @@
           <a:p>
             <a:fld id="{3D19A780-1C4C-443C-B260-C6832B2E3A31}" type="datetimeFigureOut">
               <a:rPr lang="zh-TW" altLang="en-US" smtClean="0"/>
-              <a:t>2019/12/2</a:t>
+              <a:t>2019/12/8</a:t>
             </a:fld>
             <a:endParaRPr lang="zh-TW" altLang="en-US"/>
           </a:p>
@@ -3182,7 +3186,7 @@
           <a:p>
             <a:fld id="{3D19A780-1C4C-443C-B260-C6832B2E3A31}" type="datetimeFigureOut">
               <a:rPr lang="zh-TW" altLang="en-US" smtClean="0"/>
-              <a:t>2019/12/2</a:t>
+              <a:t>2019/12/8</a:t>
             </a:fld>
             <a:endParaRPr lang="zh-TW" altLang="en-US"/>
           </a:p>
@@ -3693,7 +3697,7 @@
           <a:p>
             <a:r>
               <a:rPr lang="en-US" altLang="zh-TW" sz="4400" dirty="0"/>
-              <a:t>DSP Lab. – LTI System, Convolution and Frequency</a:t>
+              <a:t>DSP Lab2. – LTI System, Convolution and Frequency</a:t>
             </a:r>
             <a:br>
               <a:rPr lang="en-US" altLang="zh-TW" sz="4400" dirty="0"/>
@@ -3811,19 +3815,11 @@
           <a:p>
             <a:r>
               <a:rPr lang="en-US" altLang="zh-TW" dirty="0"/>
-              <a:t>b</a:t>
+              <a:t>A</a:t>
             </a:r>
             <a:r>
               <a:rPr lang="en-US" altLang="zh-TW" cap="none" dirty="0"/>
-              <a:t>ackward</a:t>
-            </a:r>
-            <a:r>
-              <a:rPr lang="en-US" altLang="zh-TW" dirty="0"/>
-              <a:t> d</a:t>
-            </a:r>
-            <a:r>
-              <a:rPr lang="en-US" altLang="zh-TW" cap="none" dirty="0"/>
-              <a:t>ifference</a:t>
+              <a:t>ccumulator</a:t>
             </a:r>
             <a:endParaRPr lang="zh-TW" altLang="en-US" dirty="0"/>
           </a:p>
@@ -3851,12 +3847,12 @@
               </a:ext>
             </a:extLst>
           </a:blip>
-          <a:srcRect l="8417" r="7599"/>
+          <a:srcRect l="8417" r="7822"/>
           <a:stretch/>
         </p:blipFill>
         <p:spPr>
           <a:xfrm>
-            <a:off x="1451578" y="1945184"/>
+            <a:off x="1451579" y="1945184"/>
             <a:ext cx="9603275" cy="4108298"/>
           </a:xfrm>
           <a:prstGeom prst="rect">
@@ -3867,7 +3863,7 @@
     </p:spTree>
     <p:extLst>
       <p:ext uri="{BB962C8B-B14F-4D97-AF65-F5344CB8AC3E}">
-        <p14:creationId xmlns:p14="http://schemas.microsoft.com/office/powerpoint/2010/main" val="3226181512"/>
+        <p14:creationId xmlns:p14="http://schemas.microsoft.com/office/powerpoint/2010/main" val="3993416542"/>
       </p:ext>
     </p:extLst>
   </p:cSld>
@@ -3896,6 +3892,218 @@
       </p:grpSpPr>
       <p:sp>
         <p:nvSpPr>
+          <p:cNvPr id="2" name="標題 1">
+            <a:extLst>
+              <a:ext uri="{FF2B5EF4-FFF2-40B4-BE49-F238E27FC236}">
+                <a16:creationId xmlns:a16="http://schemas.microsoft.com/office/drawing/2014/main" id="{82740B8F-E311-4867-A2EB-79B2A2509C6A}"/>
+              </a:ext>
+            </a:extLst>
+          </p:cNvPr>
+          <p:cNvSpPr>
+            <a:spLocks noGrp="1"/>
+          </p:cNvSpPr>
+          <p:nvPr>
+            <p:ph type="title"/>
+          </p:nvPr>
+        </p:nvSpPr>
+        <p:spPr/>
+        <p:txBody>
+          <a:bodyPr/>
+          <a:lstStyle/>
+          <a:p>
+            <a:r>
+              <a:rPr lang="en-US" altLang="zh-TW" dirty="0"/>
+              <a:t>F</a:t>
+            </a:r>
+            <a:r>
+              <a:rPr lang="en-US" altLang="zh-TW" cap="none" dirty="0"/>
+              <a:t>orward</a:t>
+            </a:r>
+            <a:r>
+              <a:rPr lang="en-US" altLang="zh-TW" dirty="0"/>
+              <a:t> d</a:t>
+            </a:r>
+            <a:r>
+              <a:rPr lang="en-US" altLang="zh-TW" cap="none" dirty="0"/>
+              <a:t>ifference</a:t>
+            </a:r>
+            <a:endParaRPr lang="zh-TW" altLang="en-US" dirty="0"/>
+          </a:p>
+        </p:txBody>
+      </p:sp>
+      <p:pic>
+        <p:nvPicPr>
+          <p:cNvPr id="5" name="圖片 4">
+            <a:extLst>
+              <a:ext uri="{FF2B5EF4-FFF2-40B4-BE49-F238E27FC236}">
+                <a16:creationId xmlns:a16="http://schemas.microsoft.com/office/drawing/2014/main" id="{71B18BB3-9F5C-4448-B5CB-B05F7112D1CA}"/>
+              </a:ext>
+            </a:extLst>
+          </p:cNvPr>
+          <p:cNvPicPr>
+            <a:picLocks noChangeAspect="1"/>
+          </p:cNvPicPr>
+          <p:nvPr/>
+        </p:nvPicPr>
+        <p:blipFill rotWithShape="1">
+          <a:blip r:embed="rId2">
+            <a:extLst>
+              <a:ext uri="{28A0092B-C50C-407E-A947-70E740481C1C}">
+                <a14:useLocalDpi xmlns:a14="http://schemas.microsoft.com/office/drawing/2010/main" val="0"/>
+              </a:ext>
+            </a:extLst>
+          </a:blip>
+          <a:srcRect l="8306" r="7485"/>
+          <a:stretch/>
+        </p:blipFill>
+        <p:spPr>
+          <a:xfrm>
+            <a:off x="1451579" y="1945184"/>
+            <a:ext cx="9603275" cy="4108298"/>
+          </a:xfrm>
+          <a:prstGeom prst="rect">
+            <a:avLst/>
+          </a:prstGeom>
+        </p:spPr>
+      </p:pic>
+    </p:spTree>
+    <p:extLst>
+      <p:ext uri="{BB962C8B-B14F-4D97-AF65-F5344CB8AC3E}">
+        <p14:creationId xmlns:p14="http://schemas.microsoft.com/office/powerpoint/2010/main" val="912464301"/>
+      </p:ext>
+    </p:extLst>
+  </p:cSld>
+  <p:clrMapOvr>
+    <a:masterClrMapping/>
+  </p:clrMapOvr>
+</p:sld>
+</file>
+
+<file path=ppt/slides/slide12.xml><?xml version="1.0" encoding="utf-8"?>
+<p:sld xmlns:a="http://schemas.openxmlformats.org/drawingml/2006/main" xmlns:r="http://schemas.openxmlformats.org/officeDocument/2006/relationships" xmlns:p="http://schemas.openxmlformats.org/presentationml/2006/main">
+  <p:cSld>
+    <p:spTree>
+      <p:nvGrpSpPr>
+        <p:cNvPr id="1" name=""/>
+        <p:cNvGrpSpPr/>
+        <p:nvPr/>
+      </p:nvGrpSpPr>
+      <p:grpSpPr>
+        <a:xfrm>
+          <a:off x="0" y="0"/>
+          <a:ext cx="0" cy="0"/>
+          <a:chOff x="0" y="0"/>
+          <a:chExt cx="0" cy="0"/>
+        </a:xfrm>
+      </p:grpSpPr>
+      <p:sp>
+        <p:nvSpPr>
+          <p:cNvPr id="2" name="標題 1">
+            <a:extLst>
+              <a:ext uri="{FF2B5EF4-FFF2-40B4-BE49-F238E27FC236}">
+                <a16:creationId xmlns:a16="http://schemas.microsoft.com/office/drawing/2014/main" id="{82740B8F-E311-4867-A2EB-79B2A2509C6A}"/>
+              </a:ext>
+            </a:extLst>
+          </p:cNvPr>
+          <p:cNvSpPr>
+            <a:spLocks noGrp="1"/>
+          </p:cNvSpPr>
+          <p:nvPr>
+            <p:ph type="title"/>
+          </p:nvPr>
+        </p:nvSpPr>
+        <p:spPr/>
+        <p:txBody>
+          <a:bodyPr/>
+          <a:lstStyle/>
+          <a:p>
+            <a:r>
+              <a:rPr lang="en-US" altLang="zh-TW" dirty="0"/>
+              <a:t>b</a:t>
+            </a:r>
+            <a:r>
+              <a:rPr lang="en-US" altLang="zh-TW" cap="none" dirty="0"/>
+              <a:t>ackward</a:t>
+            </a:r>
+            <a:r>
+              <a:rPr lang="en-US" altLang="zh-TW" dirty="0"/>
+              <a:t> d</a:t>
+            </a:r>
+            <a:r>
+              <a:rPr lang="en-US" altLang="zh-TW" cap="none" dirty="0"/>
+              <a:t>ifference</a:t>
+            </a:r>
+            <a:endParaRPr lang="zh-TW" altLang="en-US" dirty="0"/>
+          </a:p>
+        </p:txBody>
+      </p:sp>
+      <p:pic>
+        <p:nvPicPr>
+          <p:cNvPr id="4" name="圖片 3">
+            <a:extLst>
+              <a:ext uri="{FF2B5EF4-FFF2-40B4-BE49-F238E27FC236}">
+                <a16:creationId xmlns:a16="http://schemas.microsoft.com/office/drawing/2014/main" id="{CBC9A5DB-C4DD-46FD-814E-450637768879}"/>
+              </a:ext>
+            </a:extLst>
+          </p:cNvPr>
+          <p:cNvPicPr>
+            <a:picLocks noChangeAspect="1"/>
+          </p:cNvPicPr>
+          <p:nvPr/>
+        </p:nvPicPr>
+        <p:blipFill rotWithShape="1">
+          <a:blip r:embed="rId2">
+            <a:extLst>
+              <a:ext uri="{28A0092B-C50C-407E-A947-70E740481C1C}">
+                <a14:useLocalDpi xmlns:a14="http://schemas.microsoft.com/office/drawing/2010/main" val="0"/>
+              </a:ext>
+            </a:extLst>
+          </a:blip>
+          <a:srcRect l="8505" r="7526"/>
+          <a:stretch/>
+        </p:blipFill>
+        <p:spPr>
+          <a:xfrm>
+            <a:off x="1451578" y="1945184"/>
+            <a:ext cx="9603275" cy="4108297"/>
+          </a:xfrm>
+          <a:prstGeom prst="rect">
+            <a:avLst/>
+          </a:prstGeom>
+        </p:spPr>
+      </p:pic>
+    </p:spTree>
+    <p:extLst>
+      <p:ext uri="{BB962C8B-B14F-4D97-AF65-F5344CB8AC3E}">
+        <p14:creationId xmlns:p14="http://schemas.microsoft.com/office/powerpoint/2010/main" val="3226181512"/>
+      </p:ext>
+    </p:extLst>
+  </p:cSld>
+  <p:clrMapOvr>
+    <a:masterClrMapping/>
+  </p:clrMapOvr>
+</p:sld>
+</file>
+
+<file path=ppt/slides/slide13.xml><?xml version="1.0" encoding="utf-8"?>
+<p:sld xmlns:a="http://schemas.openxmlformats.org/drawingml/2006/main" xmlns:r="http://schemas.openxmlformats.org/officeDocument/2006/relationships" xmlns:p="http://schemas.openxmlformats.org/presentationml/2006/main">
+  <p:cSld>
+    <p:spTree>
+      <p:nvGrpSpPr>
+        <p:cNvPr id="1" name=""/>
+        <p:cNvGrpSpPr/>
+        <p:nvPr/>
+      </p:nvGrpSpPr>
+      <p:grpSpPr>
+        <a:xfrm>
+          <a:off x="0" y="0"/>
+          <a:ext cx="0" cy="0"/>
+          <a:chOff x="0" y="0"/>
+          <a:chExt cx="0" cy="0"/>
+        </a:xfrm>
+      </p:grpSpPr>
+      <p:sp>
+        <p:nvSpPr>
           <p:cNvPr id="6" name="標題 5">
             <a:extLst>
               <a:ext uri="{FF2B5EF4-FFF2-40B4-BE49-F238E27FC236}">
@@ -3960,7 +4168,7 @@
 </p:sld>
 </file>
 
-<file path=ppt/slides/slide12.xml><?xml version="1.0" encoding="utf-8"?>
+<file path=ppt/slides/slide14.xml><?xml version="1.0" encoding="utf-8"?>
 <p:sld xmlns:a="http://schemas.openxmlformats.org/drawingml/2006/main" xmlns:r="http://schemas.openxmlformats.org/officeDocument/2006/relationships" xmlns:p="http://schemas.openxmlformats.org/presentationml/2006/main">
   <p:cSld>
     <p:spTree>
@@ -4258,7 +4466,7 @@
 </p:sld>
 </file>
 
-<file path=ppt/slides/slide13.xml><?xml version="1.0" encoding="utf-8"?>
+<file path=ppt/slides/slide15.xml><?xml version="1.0" encoding="utf-8"?>
 <p:sld xmlns:a="http://schemas.openxmlformats.org/drawingml/2006/main" xmlns:r="http://schemas.openxmlformats.org/officeDocument/2006/relationships" xmlns:p="http://schemas.openxmlformats.org/presentationml/2006/main">
   <p:cSld>
     <p:spTree>
@@ -4556,7 +4764,7 @@
 </p:sld>
 </file>
 
-<file path=ppt/slides/slide14.xml><?xml version="1.0" encoding="utf-8"?>
+<file path=ppt/slides/slide16.xml><?xml version="1.0" encoding="utf-8"?>
 <p:sld xmlns:a="http://schemas.openxmlformats.org/drawingml/2006/main" xmlns:r="http://schemas.openxmlformats.org/officeDocument/2006/relationships" xmlns:p="http://schemas.openxmlformats.org/presentationml/2006/main">
   <p:cSld>
     <p:spTree>
@@ -4665,7 +4873,7 @@
             </a:r>
             <a:r>
               <a:rPr lang="en-US" altLang="zh-TW" dirty="0"/>
-              <a:t>7.4533 sec</a:t>
+              <a:t>3.7266 sec</a:t>
             </a:r>
           </a:p>
           <a:p>
@@ -4698,13 +4906,13 @@
               </a:ext>
             </a:extLst>
           </a:blip>
-          <a:srcRect l="7841" r="7390"/>
+          <a:srcRect l="8065" r="7054"/>
           <a:stretch/>
         </p:blipFill>
         <p:spPr>
           <a:xfrm>
-            <a:off x="1451578" y="1945184"/>
-            <a:ext cx="8965041" cy="4108298"/>
+            <a:off x="1451579" y="1945184"/>
+            <a:ext cx="8983893" cy="4108298"/>
           </a:xfrm>
           <a:prstGeom prst="rect">
             <a:avLst/>
@@ -4713,11 +4921,11 @@
       </p:pic>
       <p:pic>
         <p:nvPicPr>
-          <p:cNvPr id="6" name="y3">
+          <p:cNvPr id="3" name="y3">
             <a:hlinkClick r:id="" action="ppaction://media"/>
             <a:extLst>
               <a:ext uri="{FF2B5EF4-FFF2-40B4-BE49-F238E27FC236}">
-                <a16:creationId xmlns:a16="http://schemas.microsoft.com/office/drawing/2014/main" id="{914F505A-DFB7-4D69-B67D-BAAC4D63F924}"/>
+                <a16:creationId xmlns:a16="http://schemas.microsoft.com/office/drawing/2014/main" id="{818E6989-62A8-45AF-A1EE-44D9DA3613F4}"/>
               </a:ext>
             </a:extLst>
           </p:cNvPr>
@@ -4787,9 +4995,9 @@
                                   <p:childTnLst>
                                     <p:cmd type="call" cmd="playFrom(0.0)">
                                       <p:cBhvr>
-                                        <p:cTn id="6" dur="7453" fill="hold"/>
+                                        <p:cTn id="6" dur="3726" fill="hold"/>
                                         <p:tgtEl>
-                                          <p:spTgt spid="6"/>
+                                          <p:spTgt spid="3"/>
                                         </p:tgtEl>
                                       </p:cBhvr>
                                     </p:cmd>
@@ -4834,7 +5042,7 @@
                   </p:endCondLst>
                 </p:cTn>
                 <p:tgtEl>
-                  <p:spTgt spid="6"/>
+                  <p:spTgt spid="3"/>
                 </p:tgtEl>
               </p:cMediaNode>
             </p:audio>
@@ -4846,7 +5054,7 @@
 </p:sld>
 </file>
 
-<file path=ppt/slides/slide15.xml><?xml version="1.0" encoding="utf-8"?>
+<file path=ppt/slides/slide17.xml><?xml version="1.0" encoding="utf-8"?>
 <p:sld xmlns:a="http://schemas.openxmlformats.org/drawingml/2006/main" xmlns:r="http://schemas.openxmlformats.org/officeDocument/2006/relationships" xmlns:p="http://schemas.openxmlformats.org/presentationml/2006/main">
   <p:cSld>
     <p:spTree>
@@ -5144,7 +5352,7 @@
 </p:sld>
 </file>
 
-<file path=ppt/slides/slide16.xml><?xml version="1.0" encoding="utf-8"?>
+<file path=ppt/slides/slide18.xml><?xml version="1.0" encoding="utf-8"?>
 <p:sld xmlns:a="http://schemas.openxmlformats.org/drawingml/2006/main" xmlns:r="http://schemas.openxmlformats.org/officeDocument/2006/relationships" xmlns:p="http://schemas.openxmlformats.org/presentationml/2006/main">
   <p:cSld>
     <p:spTree>
@@ -5442,7 +5650,7 @@
 </p:sld>
 </file>
 
-<file path=ppt/slides/slide17.xml><?xml version="1.0" encoding="utf-8"?>
+<file path=ppt/slides/slide19.xml><?xml version="1.0" encoding="utf-8"?>
 <p:sld xmlns:a="http://schemas.openxmlformats.org/drawingml/2006/main" xmlns:r="http://schemas.openxmlformats.org/officeDocument/2006/relationships" xmlns:p="http://schemas.openxmlformats.org/presentationml/2006/main">
   <p:cSld>
     <p:spTree>
@@ -5652,177 +5860,6 @@
     <p:extLst>
       <p:ext uri="{BB962C8B-B14F-4D97-AF65-F5344CB8AC3E}">
         <p14:creationId xmlns:p14="http://schemas.microsoft.com/office/powerpoint/2010/main" val="4047965720"/>
-      </p:ext>
-    </p:extLst>
-  </p:cSld>
-  <p:clrMapOvr>
-    <a:masterClrMapping/>
-  </p:clrMapOvr>
-</p:sld>
-</file>
-
-<file path=ppt/slides/slide18.xml><?xml version="1.0" encoding="utf-8"?>
-<p:sld xmlns:a="http://schemas.openxmlformats.org/drawingml/2006/main" xmlns:r="http://schemas.openxmlformats.org/officeDocument/2006/relationships" xmlns:p="http://schemas.openxmlformats.org/presentationml/2006/main">
-  <p:cSld>
-    <p:spTree>
-      <p:nvGrpSpPr>
-        <p:cNvPr id="1" name=""/>
-        <p:cNvGrpSpPr/>
-        <p:nvPr/>
-      </p:nvGrpSpPr>
-      <p:grpSpPr>
-        <a:xfrm>
-          <a:off x="0" y="0"/>
-          <a:ext cx="0" cy="0"/>
-          <a:chOff x="0" y="0"/>
-          <a:chExt cx="0" cy="0"/>
-        </a:xfrm>
-      </p:grpSpPr>
-      <p:sp>
-        <p:nvSpPr>
-          <p:cNvPr id="2" name="標題 1">
-            <a:extLst>
-              <a:ext uri="{FF2B5EF4-FFF2-40B4-BE49-F238E27FC236}">
-                <a16:creationId xmlns:a16="http://schemas.microsoft.com/office/drawing/2014/main" id="{05DB0DF9-BB97-4635-8490-8CB11BCA4FAB}"/>
-              </a:ext>
-            </a:extLst>
-          </p:cNvPr>
-          <p:cNvSpPr>
-            <a:spLocks noGrp="1"/>
-          </p:cNvSpPr>
-          <p:nvPr>
-            <p:ph type="title"/>
-          </p:nvPr>
-        </p:nvSpPr>
-        <p:spPr/>
-        <p:txBody>
-          <a:bodyPr/>
-          <a:lstStyle/>
-          <a:p>
-            <a:r>
-              <a:rPr lang="zh-TW" altLang="en-US" dirty="0"/>
-              <a:t>觀察不同</a:t>
-            </a:r>
-            <a:r>
-              <a:rPr lang="en-US" altLang="zh-TW" dirty="0"/>
-              <a:t>LTI</a:t>
-            </a:r>
-            <a:r>
-              <a:rPr lang="zh-TW" altLang="en-US" dirty="0"/>
-              <a:t>系統對信號產生之影響</a:t>
-            </a:r>
-          </a:p>
-        </p:txBody>
-      </p:sp>
-      <p:sp>
-        <p:nvSpPr>
-          <p:cNvPr id="3" name="內容版面配置區 2">
-            <a:extLst>
-              <a:ext uri="{FF2B5EF4-FFF2-40B4-BE49-F238E27FC236}">
-                <a16:creationId xmlns:a16="http://schemas.microsoft.com/office/drawing/2014/main" id="{51CDEBD9-A894-4592-A556-E1E650238F51}"/>
-              </a:ext>
-            </a:extLst>
-          </p:cNvPr>
-          <p:cNvSpPr>
-            <a:spLocks noGrp="1"/>
-          </p:cNvSpPr>
-          <p:nvPr>
-            <p:ph idx="1"/>
-          </p:nvPr>
-        </p:nvSpPr>
-        <p:spPr/>
-        <p:txBody>
-          <a:bodyPr/>
-          <a:lstStyle/>
-          <a:p>
-            <a:r>
-              <a:rPr lang="en-US" altLang="zh-TW" dirty="0"/>
-              <a:t>Forward Difference</a:t>
-            </a:r>
-            <a:r>
-              <a:rPr lang="zh-TW" altLang="en-US" dirty="0"/>
-              <a:t> 前項差分</a:t>
-            </a:r>
-            <a:r>
-              <a:rPr lang="en-US" altLang="zh-TW" dirty="0"/>
-              <a:t>: </a:t>
-            </a:r>
-            <a:br>
-              <a:rPr lang="en-US" altLang="zh-TW" dirty="0"/>
-            </a:br>
-            <a:r>
-              <a:rPr lang="zh-TW" altLang="en-US" dirty="0"/>
-              <a:t>此濾波器的頻率響應中，能量於低頻位置為零點，越高頻部分越接近</a:t>
-            </a:r>
-            <a:r>
-              <a:rPr lang="en-US" altLang="zh-TW" dirty="0"/>
-              <a:t>0dB</a:t>
-            </a:r>
-            <a:r>
-              <a:rPr lang="zh-TW" altLang="en-US" dirty="0"/>
-              <a:t>，因此此濾波器有如</a:t>
-            </a:r>
-            <a:r>
-              <a:rPr lang="zh-TW" altLang="en-US" dirty="0">
-                <a:solidFill>
-                  <a:srgbClr val="FF0000"/>
-                </a:solidFill>
-              </a:rPr>
-              <a:t>高通濾波器</a:t>
-            </a:r>
-            <a:r>
-              <a:rPr lang="zh-TW" altLang="en-US" dirty="0"/>
-              <a:t>。</a:t>
-            </a:r>
-            <a:endParaRPr lang="en-US" altLang="zh-TW" dirty="0"/>
-          </a:p>
-          <a:p>
-            <a:r>
-              <a:rPr lang="en-US" altLang="zh-TW" dirty="0"/>
-              <a:t>Backward Difference</a:t>
-            </a:r>
-            <a:r>
-              <a:rPr lang="zh-TW" altLang="en-US" dirty="0"/>
-              <a:t> 後項差分</a:t>
-            </a:r>
-            <a:r>
-              <a:rPr lang="en-US" altLang="zh-TW" dirty="0"/>
-              <a:t>: </a:t>
-            </a:r>
-            <a:br>
-              <a:rPr lang="en-US" altLang="zh-TW" dirty="0"/>
-            </a:br>
-            <a:r>
-              <a:rPr lang="zh-TW" altLang="en-US" dirty="0"/>
-              <a:t>此濾波器與前項差分之輸出訊號大致相同，但在頻率響應中只有相位的不同，此濾波器</a:t>
-            </a:r>
-            <a:r>
-              <a:rPr lang="zh-TW" altLang="en-US"/>
-              <a:t>如同</a:t>
-            </a:r>
-            <a:r>
-              <a:rPr lang="zh-TW" altLang="en-US">
-                <a:solidFill>
-                  <a:srgbClr val="FF0000"/>
-                </a:solidFill>
-              </a:rPr>
-              <a:t>高通濾波器</a:t>
-            </a:r>
-            <a:r>
-              <a:rPr lang="zh-TW" altLang="en-US" dirty="0"/>
-              <a:t>。</a:t>
-            </a:r>
-            <a:br>
-              <a:rPr lang="en-US" altLang="zh-TW" dirty="0"/>
-            </a:br>
-            <a:endParaRPr lang="en-US" altLang="zh-TW" dirty="0"/>
-          </a:p>
-        </p:txBody>
-      </p:sp>
-    </p:spTree>
-    <p:extLst>
-      <p:ext uri="{BB962C8B-B14F-4D97-AF65-F5344CB8AC3E}">
-        <p14:creationId xmlns:p14="http://schemas.microsoft.com/office/powerpoint/2010/main" val="3493454936"/>
       </p:ext>
     </p:extLst>
   </p:cSld>
@@ -5906,6 +5943,177 @@
     <p:extLst>
       <p:ext uri="{BB962C8B-B14F-4D97-AF65-F5344CB8AC3E}">
         <p14:creationId xmlns:p14="http://schemas.microsoft.com/office/powerpoint/2010/main" val="1351564570"/>
+      </p:ext>
+    </p:extLst>
+  </p:cSld>
+  <p:clrMapOvr>
+    <a:masterClrMapping/>
+  </p:clrMapOvr>
+</p:sld>
+</file>
+
+<file path=ppt/slides/slide20.xml><?xml version="1.0" encoding="utf-8"?>
+<p:sld xmlns:a="http://schemas.openxmlformats.org/drawingml/2006/main" xmlns:r="http://schemas.openxmlformats.org/officeDocument/2006/relationships" xmlns:p="http://schemas.openxmlformats.org/presentationml/2006/main">
+  <p:cSld>
+    <p:spTree>
+      <p:nvGrpSpPr>
+        <p:cNvPr id="1" name=""/>
+        <p:cNvGrpSpPr/>
+        <p:nvPr/>
+      </p:nvGrpSpPr>
+      <p:grpSpPr>
+        <a:xfrm>
+          <a:off x="0" y="0"/>
+          <a:ext cx="0" cy="0"/>
+          <a:chOff x="0" y="0"/>
+          <a:chExt cx="0" cy="0"/>
+        </a:xfrm>
+      </p:grpSpPr>
+      <p:sp>
+        <p:nvSpPr>
+          <p:cNvPr id="2" name="標題 1">
+            <a:extLst>
+              <a:ext uri="{FF2B5EF4-FFF2-40B4-BE49-F238E27FC236}">
+                <a16:creationId xmlns:a16="http://schemas.microsoft.com/office/drawing/2014/main" id="{05DB0DF9-BB97-4635-8490-8CB11BCA4FAB}"/>
+              </a:ext>
+            </a:extLst>
+          </p:cNvPr>
+          <p:cNvSpPr>
+            <a:spLocks noGrp="1"/>
+          </p:cNvSpPr>
+          <p:nvPr>
+            <p:ph type="title"/>
+          </p:nvPr>
+        </p:nvSpPr>
+        <p:spPr/>
+        <p:txBody>
+          <a:bodyPr/>
+          <a:lstStyle/>
+          <a:p>
+            <a:r>
+              <a:rPr lang="zh-TW" altLang="en-US" dirty="0"/>
+              <a:t>觀察不同</a:t>
+            </a:r>
+            <a:r>
+              <a:rPr lang="en-US" altLang="zh-TW" dirty="0"/>
+              <a:t>LTI</a:t>
+            </a:r>
+            <a:r>
+              <a:rPr lang="zh-TW" altLang="en-US" dirty="0"/>
+              <a:t>系統對信號產生之影響</a:t>
+            </a:r>
+          </a:p>
+        </p:txBody>
+      </p:sp>
+      <p:sp>
+        <p:nvSpPr>
+          <p:cNvPr id="3" name="內容版面配置區 2">
+            <a:extLst>
+              <a:ext uri="{FF2B5EF4-FFF2-40B4-BE49-F238E27FC236}">
+                <a16:creationId xmlns:a16="http://schemas.microsoft.com/office/drawing/2014/main" id="{51CDEBD9-A894-4592-A556-E1E650238F51}"/>
+              </a:ext>
+            </a:extLst>
+          </p:cNvPr>
+          <p:cNvSpPr>
+            <a:spLocks noGrp="1"/>
+          </p:cNvSpPr>
+          <p:nvPr>
+            <p:ph idx="1"/>
+          </p:nvPr>
+        </p:nvSpPr>
+        <p:spPr/>
+        <p:txBody>
+          <a:bodyPr/>
+          <a:lstStyle/>
+          <a:p>
+            <a:r>
+              <a:rPr lang="en-US" altLang="zh-TW" dirty="0"/>
+              <a:t>Forward Difference</a:t>
+            </a:r>
+            <a:r>
+              <a:rPr lang="zh-TW" altLang="en-US" dirty="0"/>
+              <a:t> 前項差分</a:t>
+            </a:r>
+            <a:r>
+              <a:rPr lang="en-US" altLang="zh-TW" dirty="0"/>
+              <a:t>: </a:t>
+            </a:r>
+            <a:br>
+              <a:rPr lang="en-US" altLang="zh-TW" dirty="0"/>
+            </a:br>
+            <a:r>
+              <a:rPr lang="zh-TW" altLang="en-US" dirty="0"/>
+              <a:t>此濾波器的頻率響應中，能量於低頻位置為零點，越高頻部分越接近</a:t>
+            </a:r>
+            <a:r>
+              <a:rPr lang="en-US" altLang="zh-TW" dirty="0"/>
+              <a:t>0dB</a:t>
+            </a:r>
+            <a:r>
+              <a:rPr lang="zh-TW" altLang="en-US" dirty="0"/>
+              <a:t>，因此此濾波器有如</a:t>
+            </a:r>
+            <a:r>
+              <a:rPr lang="zh-TW" altLang="en-US" dirty="0">
+                <a:solidFill>
+                  <a:srgbClr val="FF0000"/>
+                </a:solidFill>
+              </a:rPr>
+              <a:t>高通濾波器</a:t>
+            </a:r>
+            <a:r>
+              <a:rPr lang="zh-TW" altLang="en-US" dirty="0"/>
+              <a:t>。</a:t>
+            </a:r>
+            <a:endParaRPr lang="en-US" altLang="zh-TW" dirty="0"/>
+          </a:p>
+          <a:p>
+            <a:r>
+              <a:rPr lang="en-US" altLang="zh-TW" dirty="0"/>
+              <a:t>Backward Difference</a:t>
+            </a:r>
+            <a:r>
+              <a:rPr lang="zh-TW" altLang="en-US" dirty="0"/>
+              <a:t> 後項差分</a:t>
+            </a:r>
+            <a:r>
+              <a:rPr lang="en-US" altLang="zh-TW" dirty="0"/>
+              <a:t>: </a:t>
+            </a:r>
+            <a:br>
+              <a:rPr lang="en-US" altLang="zh-TW" dirty="0"/>
+            </a:br>
+            <a:r>
+              <a:rPr lang="zh-TW" altLang="en-US" dirty="0"/>
+              <a:t>此濾波器與前項差分之輸出訊號大致相同，但在頻率響應中只有相位的不同，此濾波器</a:t>
+            </a:r>
+            <a:r>
+              <a:rPr lang="zh-TW" altLang="en-US"/>
+              <a:t>如同</a:t>
+            </a:r>
+            <a:r>
+              <a:rPr lang="zh-TW" altLang="en-US">
+                <a:solidFill>
+                  <a:srgbClr val="FF0000"/>
+                </a:solidFill>
+              </a:rPr>
+              <a:t>高通濾波器</a:t>
+            </a:r>
+            <a:r>
+              <a:rPr lang="zh-TW" altLang="en-US" dirty="0"/>
+              <a:t>。</a:t>
+            </a:r>
+            <a:br>
+              <a:rPr lang="en-US" altLang="zh-TW" dirty="0"/>
+            </a:br>
+            <a:endParaRPr lang="en-US" altLang="zh-TW" dirty="0"/>
+          </a:p>
+        </p:txBody>
+      </p:sp>
+    </p:spTree>
+    <p:extLst>
+      <p:ext uri="{BB962C8B-B14F-4D97-AF65-F5344CB8AC3E}">
+        <p14:creationId xmlns:p14="http://schemas.microsoft.com/office/powerpoint/2010/main" val="3493454936"/>
       </p:ext>
     </p:extLst>
   </p:cSld>
@@ -6315,8 +6523,8 @@
           <a:chExt cx="0" cy="0"/>
         </a:xfrm>
       </p:grpSpPr>
-      <mc:AlternateContent xmlns:mc="http://schemas.openxmlformats.org/markup-compatibility/2006">
-        <mc:Choice xmlns:a14="http://schemas.microsoft.com/office/drawing/2010/main" Requires="a14">
+      <mc:AlternateContent xmlns:mc="http://schemas.openxmlformats.org/markup-compatibility/2006" xmlns:a14="http://schemas.microsoft.com/office/drawing/2010/main">
+        <mc:Choice Requires="a14">
           <p:sp>
             <p:nvSpPr>
               <p:cNvPr id="6" name="標題 5">
@@ -6390,7 +6598,7 @@
             </p:txBody>
           </p:sp>
         </mc:Choice>
-        <mc:Fallback>
+        <mc:Fallback xmlns="">
           <p:sp>
             <p:nvSpPr>
               <p:cNvPr id="6" name="標題 5">
@@ -6507,83 +6715,19 @@
           <a:lstStyle/>
           <a:p>
             <a:r>
-              <a:rPr lang="en-US" altLang="zh-TW" dirty="0"/>
-              <a:t>I</a:t>
-            </a:r>
-            <a:r>
-              <a:rPr lang="en-US" altLang="zh-TW" cap="none" dirty="0"/>
-              <a:t>deal</a:t>
-            </a:r>
-            <a:r>
-              <a:rPr lang="en-US" altLang="zh-TW" dirty="0"/>
-              <a:t> D</a:t>
-            </a:r>
-            <a:r>
-              <a:rPr lang="en-US" altLang="zh-TW" cap="none" dirty="0"/>
-              <a:t>elay</a:t>
+              <a:rPr lang="en-US" altLang="zh-TW" dirty="0" err="1"/>
+              <a:t>Freqz</a:t>
             </a:r>
             <a:endParaRPr lang="zh-TW" altLang="en-US" dirty="0"/>
           </a:p>
         </p:txBody>
       </p:sp>
-      <p:sp>
-        <p:nvSpPr>
-          <p:cNvPr id="4" name="內容版面配置區 3">
+      <p:pic>
+        <p:nvPicPr>
+          <p:cNvPr id="5" name="圖片 4">
             <a:extLst>
               <a:ext uri="{FF2B5EF4-FFF2-40B4-BE49-F238E27FC236}">
-                <a16:creationId xmlns:a16="http://schemas.microsoft.com/office/drawing/2014/main" id="{3B96AA8C-22F3-4402-B4A6-7349A14C94F9}"/>
-              </a:ext>
-            </a:extLst>
-          </p:cNvPr>
-          <p:cNvSpPr>
-            <a:spLocks noGrp="1"/>
-          </p:cNvSpPr>
-          <p:nvPr>
-            <p:ph idx="1"/>
-          </p:nvPr>
-        </p:nvSpPr>
-        <p:spPr>
-          <a:xfrm>
-            <a:off x="7428322" y="1140642"/>
-            <a:ext cx="3626531" cy="484867"/>
-          </a:xfrm>
-        </p:spPr>
-        <p:txBody>
-          <a:bodyPr numCol="1">
-            <a:normAutofit/>
-          </a:bodyPr>
-          <a:lstStyle/>
-          <a:p>
-            <a:pPr marL="0" indent="0" algn="r">
-              <a:buNone/>
-            </a:pPr>
-            <a:r>
-              <a:rPr lang="en-US" altLang="zh-TW" dirty="0"/>
-              <a:t>Delay time </a:t>
-            </a:r>
-            <a:r>
-              <a:rPr lang="en-US" altLang="zh-TW" dirty="0" err="1"/>
-              <a:t>nd</a:t>
-            </a:r>
-            <a:r>
-              <a:rPr lang="en-US" altLang="zh-TW" dirty="0"/>
-              <a:t> = 2 sec</a:t>
-            </a:r>
-          </a:p>
-          <a:p>
-            <a:pPr marL="0" indent="0">
-              <a:buNone/>
-            </a:pPr>
-            <a:endParaRPr lang="zh-TW" altLang="en-US" dirty="0"/>
-          </a:p>
-        </p:txBody>
-      </p:sp>
-      <p:pic>
-        <p:nvPicPr>
-          <p:cNvPr id="6" name="圖片 5">
-            <a:extLst>
-              <a:ext uri="{FF2B5EF4-FFF2-40B4-BE49-F238E27FC236}">
-                <a16:creationId xmlns:a16="http://schemas.microsoft.com/office/drawing/2014/main" id="{59389B39-AD3D-4FF5-881B-48B9AB3A42B9}"/>
+                <a16:creationId xmlns:a16="http://schemas.microsoft.com/office/drawing/2014/main" id="{41E270BE-202A-4A72-BB0A-DF6E6ED29A87}"/>
               </a:ext>
             </a:extLst>
           </p:cNvPr>
@@ -6592,7 +6736,7 @@
           </p:cNvPicPr>
           <p:nvPr/>
         </p:nvPicPr>
-        <p:blipFill rotWithShape="1">
+        <p:blipFill>
           <a:blip r:embed="rId2">
             <a:extLst>
               <a:ext uri="{28A0092B-C50C-407E-A947-70E740481C1C}">
@@ -6600,13 +6744,13 @@
               </a:ext>
             </a:extLst>
           </a:blip>
-          <a:srcRect l="8411" t="-595" r="7486" b="595"/>
+          <a:srcRect/>
           <a:stretch/>
         </p:blipFill>
         <p:spPr>
           <a:xfrm>
-            <a:off x="1451579" y="1945365"/>
-            <a:ext cx="9603274" cy="4108116"/>
+            <a:off x="3349536" y="1945365"/>
+            <a:ext cx="6976431" cy="4106128"/>
           </a:xfrm>
           <a:prstGeom prst="rect">
             <a:avLst/>
@@ -6627,6 +6771,258 @@
 </file>
 
 <file path=ppt/slides/slide7.xml><?xml version="1.0" encoding="utf-8"?>
+<p:sld xmlns:a="http://schemas.openxmlformats.org/drawingml/2006/main" xmlns:r="http://schemas.openxmlformats.org/officeDocument/2006/relationships" xmlns:p="http://schemas.openxmlformats.org/presentationml/2006/main">
+  <p:cSld>
+    <p:spTree>
+      <p:nvGrpSpPr>
+        <p:cNvPr id="1" name=""/>
+        <p:cNvGrpSpPr/>
+        <p:nvPr/>
+      </p:nvGrpSpPr>
+      <p:grpSpPr>
+        <a:xfrm>
+          <a:off x="0" y="0"/>
+          <a:ext cx="0" cy="0"/>
+          <a:chOff x="0" y="0"/>
+          <a:chExt cx="0" cy="0"/>
+        </a:xfrm>
+      </p:grpSpPr>
+      <p:sp>
+        <p:nvSpPr>
+          <p:cNvPr id="2" name="標題 1">
+            <a:extLst>
+              <a:ext uri="{FF2B5EF4-FFF2-40B4-BE49-F238E27FC236}">
+                <a16:creationId xmlns:a16="http://schemas.microsoft.com/office/drawing/2014/main" id="{82740B8F-E311-4867-A2EB-79B2A2509C6A}"/>
+              </a:ext>
+            </a:extLst>
+          </p:cNvPr>
+          <p:cNvSpPr>
+            <a:spLocks noGrp="1"/>
+          </p:cNvSpPr>
+          <p:nvPr>
+            <p:ph type="title"/>
+          </p:nvPr>
+        </p:nvSpPr>
+        <p:spPr/>
+        <p:txBody>
+          <a:bodyPr/>
+          <a:lstStyle/>
+          <a:p>
+            <a:r>
+              <a:rPr lang="en-US" altLang="zh-TW" dirty="0"/>
+              <a:t>Conv</a:t>
+            </a:r>
+            <a:endParaRPr lang="zh-TW" altLang="en-US" dirty="0"/>
+          </a:p>
+        </p:txBody>
+      </p:sp>
+      <p:pic>
+        <p:nvPicPr>
+          <p:cNvPr id="5" name="圖片 4">
+            <a:extLst>
+              <a:ext uri="{FF2B5EF4-FFF2-40B4-BE49-F238E27FC236}">
+                <a16:creationId xmlns:a16="http://schemas.microsoft.com/office/drawing/2014/main" id="{41E270BE-202A-4A72-BB0A-DF6E6ED29A87}"/>
+              </a:ext>
+            </a:extLst>
+          </p:cNvPr>
+          <p:cNvPicPr>
+            <a:picLocks noChangeAspect="1"/>
+          </p:cNvPicPr>
+          <p:nvPr/>
+        </p:nvPicPr>
+        <p:blipFill>
+          <a:blip r:embed="rId2">
+            <a:extLst>
+              <a:ext uri="{28A0092B-C50C-407E-A947-70E740481C1C}">
+                <a14:useLocalDpi xmlns:a14="http://schemas.microsoft.com/office/drawing/2010/main" val="0"/>
+              </a:ext>
+            </a:extLst>
+          </a:blip>
+          <a:srcRect/>
+          <a:stretch/>
+        </p:blipFill>
+        <p:spPr>
+          <a:xfrm>
+            <a:off x="4375147" y="1947353"/>
+            <a:ext cx="3441706" cy="4106128"/>
+          </a:xfrm>
+          <a:prstGeom prst="rect">
+            <a:avLst/>
+          </a:prstGeom>
+        </p:spPr>
+      </p:pic>
+    </p:spTree>
+    <p:extLst>
+      <p:ext uri="{BB962C8B-B14F-4D97-AF65-F5344CB8AC3E}">
+        <p14:creationId xmlns:p14="http://schemas.microsoft.com/office/powerpoint/2010/main" val="410535302"/>
+      </p:ext>
+    </p:extLst>
+  </p:cSld>
+  <p:clrMapOvr>
+    <a:masterClrMapping/>
+  </p:clrMapOvr>
+</p:sld>
+</file>
+
+<file path=ppt/slides/slide8.xml><?xml version="1.0" encoding="utf-8"?>
+<p:sld xmlns:a="http://schemas.openxmlformats.org/drawingml/2006/main" xmlns:r="http://schemas.openxmlformats.org/officeDocument/2006/relationships" xmlns:p="http://schemas.openxmlformats.org/presentationml/2006/main">
+  <p:cSld>
+    <p:spTree>
+      <p:nvGrpSpPr>
+        <p:cNvPr id="1" name=""/>
+        <p:cNvGrpSpPr/>
+        <p:nvPr/>
+      </p:nvGrpSpPr>
+      <p:grpSpPr>
+        <a:xfrm>
+          <a:off x="0" y="0"/>
+          <a:ext cx="0" cy="0"/>
+          <a:chOff x="0" y="0"/>
+          <a:chExt cx="0" cy="0"/>
+        </a:xfrm>
+      </p:grpSpPr>
+      <p:sp>
+        <p:nvSpPr>
+          <p:cNvPr id="2" name="標題 1">
+            <a:extLst>
+              <a:ext uri="{FF2B5EF4-FFF2-40B4-BE49-F238E27FC236}">
+                <a16:creationId xmlns:a16="http://schemas.microsoft.com/office/drawing/2014/main" id="{82740B8F-E311-4867-A2EB-79B2A2509C6A}"/>
+              </a:ext>
+            </a:extLst>
+          </p:cNvPr>
+          <p:cNvSpPr>
+            <a:spLocks noGrp="1"/>
+          </p:cNvSpPr>
+          <p:nvPr>
+            <p:ph type="title"/>
+          </p:nvPr>
+        </p:nvSpPr>
+        <p:spPr/>
+        <p:txBody>
+          <a:bodyPr/>
+          <a:lstStyle/>
+          <a:p>
+            <a:r>
+              <a:rPr lang="en-US" altLang="zh-TW" dirty="0"/>
+              <a:t>I</a:t>
+            </a:r>
+            <a:r>
+              <a:rPr lang="en-US" altLang="zh-TW" cap="none" dirty="0"/>
+              <a:t>deal</a:t>
+            </a:r>
+            <a:r>
+              <a:rPr lang="en-US" altLang="zh-TW" dirty="0"/>
+              <a:t> D</a:t>
+            </a:r>
+            <a:r>
+              <a:rPr lang="en-US" altLang="zh-TW" cap="none" dirty="0"/>
+              <a:t>elay</a:t>
+            </a:r>
+            <a:endParaRPr lang="zh-TW" altLang="en-US" dirty="0"/>
+          </a:p>
+        </p:txBody>
+      </p:sp>
+      <p:sp>
+        <p:nvSpPr>
+          <p:cNvPr id="4" name="內容版面配置區 3">
+            <a:extLst>
+              <a:ext uri="{FF2B5EF4-FFF2-40B4-BE49-F238E27FC236}">
+                <a16:creationId xmlns:a16="http://schemas.microsoft.com/office/drawing/2014/main" id="{3B96AA8C-22F3-4402-B4A6-7349A14C94F9}"/>
+              </a:ext>
+            </a:extLst>
+          </p:cNvPr>
+          <p:cNvSpPr>
+            <a:spLocks noGrp="1"/>
+          </p:cNvSpPr>
+          <p:nvPr>
+            <p:ph idx="1"/>
+          </p:nvPr>
+        </p:nvSpPr>
+        <p:spPr>
+          <a:xfrm>
+            <a:off x="7428322" y="1140642"/>
+            <a:ext cx="3626531" cy="484867"/>
+          </a:xfrm>
+        </p:spPr>
+        <p:txBody>
+          <a:bodyPr numCol="1">
+            <a:normAutofit/>
+          </a:bodyPr>
+          <a:lstStyle/>
+          <a:p>
+            <a:pPr marL="0" indent="0" algn="r">
+              <a:buNone/>
+            </a:pPr>
+            <a:r>
+              <a:rPr lang="en-US" altLang="zh-TW" dirty="0"/>
+              <a:t>Delay time </a:t>
+            </a:r>
+            <a:r>
+              <a:rPr lang="en-US" altLang="zh-TW" dirty="0" err="1"/>
+              <a:t>nd</a:t>
+            </a:r>
+            <a:r>
+              <a:rPr lang="en-US" altLang="zh-TW" dirty="0"/>
+              <a:t> = 2 sec</a:t>
+            </a:r>
+          </a:p>
+          <a:p>
+            <a:pPr marL="0" indent="0">
+              <a:buNone/>
+            </a:pPr>
+            <a:endParaRPr lang="zh-TW" altLang="en-US" dirty="0"/>
+          </a:p>
+        </p:txBody>
+      </p:sp>
+      <p:pic>
+        <p:nvPicPr>
+          <p:cNvPr id="5" name="圖片 4">
+            <a:extLst>
+              <a:ext uri="{FF2B5EF4-FFF2-40B4-BE49-F238E27FC236}">
+                <a16:creationId xmlns:a16="http://schemas.microsoft.com/office/drawing/2014/main" id="{41E270BE-202A-4A72-BB0A-DF6E6ED29A87}"/>
+              </a:ext>
+            </a:extLst>
+          </p:cNvPr>
+          <p:cNvPicPr>
+            <a:picLocks noChangeAspect="1"/>
+          </p:cNvPicPr>
+          <p:nvPr/>
+        </p:nvPicPr>
+        <p:blipFill rotWithShape="1">
+          <a:blip r:embed="rId2">
+            <a:extLst>
+              <a:ext uri="{28A0092B-C50C-407E-A947-70E740481C1C}">
+                <a14:useLocalDpi xmlns:a14="http://schemas.microsoft.com/office/drawing/2010/main" val="0"/>
+              </a:ext>
+            </a:extLst>
+          </a:blip>
+          <a:srcRect l="8298" r="7447"/>
+          <a:stretch/>
+        </p:blipFill>
+        <p:spPr>
+          <a:xfrm>
+            <a:off x="1451577" y="1945365"/>
+            <a:ext cx="9603275" cy="4106128"/>
+          </a:xfrm>
+          <a:prstGeom prst="rect">
+            <a:avLst/>
+          </a:prstGeom>
+        </p:spPr>
+      </p:pic>
+    </p:spTree>
+    <p:extLst>
+      <p:ext uri="{BB962C8B-B14F-4D97-AF65-F5344CB8AC3E}">
+        <p14:creationId xmlns:p14="http://schemas.microsoft.com/office/powerpoint/2010/main" val="1380417553"/>
+      </p:ext>
+    </p:extLst>
+  </p:cSld>
+  <p:clrMapOvr>
+    <a:masterClrMapping/>
+  </p:clrMapOvr>
+</p:sld>
+</file>
+
+<file path=ppt/slides/slide9.xml><?xml version="1.0" encoding="utf-8"?>
 <p:sld xmlns:a="http://schemas.openxmlformats.org/drawingml/2006/main" xmlns:r="http://schemas.openxmlformats.org/officeDocument/2006/relationships" xmlns:p="http://schemas.openxmlformats.org/presentationml/2006/main">
   <p:cSld>
     <p:spTree>
@@ -6767,210 +7163,6 @@
     <p:extLst>
       <p:ext uri="{BB962C8B-B14F-4D97-AF65-F5344CB8AC3E}">
         <p14:creationId xmlns:p14="http://schemas.microsoft.com/office/powerpoint/2010/main" val="4266296136"/>
-      </p:ext>
-    </p:extLst>
-  </p:cSld>
-  <p:clrMapOvr>
-    <a:masterClrMapping/>
-  </p:clrMapOvr>
-</p:sld>
-</file>
-
-<file path=ppt/slides/slide8.xml><?xml version="1.0" encoding="utf-8"?>
-<p:sld xmlns:a="http://schemas.openxmlformats.org/drawingml/2006/main" xmlns:r="http://schemas.openxmlformats.org/officeDocument/2006/relationships" xmlns:p="http://schemas.openxmlformats.org/presentationml/2006/main">
-  <p:cSld>
-    <p:spTree>
-      <p:nvGrpSpPr>
-        <p:cNvPr id="1" name=""/>
-        <p:cNvGrpSpPr/>
-        <p:nvPr/>
-      </p:nvGrpSpPr>
-      <p:grpSpPr>
-        <a:xfrm>
-          <a:off x="0" y="0"/>
-          <a:ext cx="0" cy="0"/>
-          <a:chOff x="0" y="0"/>
-          <a:chExt cx="0" cy="0"/>
-        </a:xfrm>
-      </p:grpSpPr>
-      <p:sp>
-        <p:nvSpPr>
-          <p:cNvPr id="2" name="標題 1">
-            <a:extLst>
-              <a:ext uri="{FF2B5EF4-FFF2-40B4-BE49-F238E27FC236}">
-                <a16:creationId xmlns:a16="http://schemas.microsoft.com/office/drawing/2014/main" id="{82740B8F-E311-4867-A2EB-79B2A2509C6A}"/>
-              </a:ext>
-            </a:extLst>
-          </p:cNvPr>
-          <p:cNvSpPr>
-            <a:spLocks noGrp="1"/>
-          </p:cNvSpPr>
-          <p:nvPr>
-            <p:ph type="title"/>
-          </p:nvPr>
-        </p:nvSpPr>
-        <p:spPr/>
-        <p:txBody>
-          <a:bodyPr/>
-          <a:lstStyle/>
-          <a:p>
-            <a:r>
-              <a:rPr lang="en-US" altLang="zh-TW" dirty="0"/>
-              <a:t>A</a:t>
-            </a:r>
-            <a:r>
-              <a:rPr lang="en-US" altLang="zh-TW" cap="none" dirty="0"/>
-              <a:t>ccumulator</a:t>
-            </a:r>
-            <a:endParaRPr lang="zh-TW" altLang="en-US" dirty="0"/>
-          </a:p>
-        </p:txBody>
-      </p:sp>
-      <p:pic>
-        <p:nvPicPr>
-          <p:cNvPr id="5" name="圖片 4">
-            <a:extLst>
-              <a:ext uri="{FF2B5EF4-FFF2-40B4-BE49-F238E27FC236}">
-                <a16:creationId xmlns:a16="http://schemas.microsoft.com/office/drawing/2014/main" id="{71B18BB3-9F5C-4448-B5CB-B05F7112D1CA}"/>
-              </a:ext>
-            </a:extLst>
-          </p:cNvPr>
-          <p:cNvPicPr>
-            <a:picLocks noChangeAspect="1"/>
-          </p:cNvPicPr>
-          <p:nvPr/>
-        </p:nvPicPr>
-        <p:blipFill rotWithShape="1">
-          <a:blip r:embed="rId2">
-            <a:extLst>
-              <a:ext uri="{28A0092B-C50C-407E-A947-70E740481C1C}">
-                <a14:useLocalDpi xmlns:a14="http://schemas.microsoft.com/office/drawing/2010/main" val="0"/>
-              </a:ext>
-            </a:extLst>
-          </a:blip>
-          <a:srcRect l="8417" r="7822"/>
-          <a:stretch/>
-        </p:blipFill>
-        <p:spPr>
-          <a:xfrm>
-            <a:off x="1451579" y="1945184"/>
-            <a:ext cx="9603275" cy="4108298"/>
-          </a:xfrm>
-          <a:prstGeom prst="rect">
-            <a:avLst/>
-          </a:prstGeom>
-        </p:spPr>
-      </p:pic>
-    </p:spTree>
-    <p:extLst>
-      <p:ext uri="{BB962C8B-B14F-4D97-AF65-F5344CB8AC3E}">
-        <p14:creationId xmlns:p14="http://schemas.microsoft.com/office/powerpoint/2010/main" val="3993416542"/>
-      </p:ext>
-    </p:extLst>
-  </p:cSld>
-  <p:clrMapOvr>
-    <a:masterClrMapping/>
-  </p:clrMapOvr>
-</p:sld>
-</file>
-
-<file path=ppt/slides/slide9.xml><?xml version="1.0" encoding="utf-8"?>
-<p:sld xmlns:a="http://schemas.openxmlformats.org/drawingml/2006/main" xmlns:r="http://schemas.openxmlformats.org/officeDocument/2006/relationships" xmlns:p="http://schemas.openxmlformats.org/presentationml/2006/main">
-  <p:cSld>
-    <p:spTree>
-      <p:nvGrpSpPr>
-        <p:cNvPr id="1" name=""/>
-        <p:cNvGrpSpPr/>
-        <p:nvPr/>
-      </p:nvGrpSpPr>
-      <p:grpSpPr>
-        <a:xfrm>
-          <a:off x="0" y="0"/>
-          <a:ext cx="0" cy="0"/>
-          <a:chOff x="0" y="0"/>
-          <a:chExt cx="0" cy="0"/>
-        </a:xfrm>
-      </p:grpSpPr>
-      <p:sp>
-        <p:nvSpPr>
-          <p:cNvPr id="2" name="標題 1">
-            <a:extLst>
-              <a:ext uri="{FF2B5EF4-FFF2-40B4-BE49-F238E27FC236}">
-                <a16:creationId xmlns:a16="http://schemas.microsoft.com/office/drawing/2014/main" id="{82740B8F-E311-4867-A2EB-79B2A2509C6A}"/>
-              </a:ext>
-            </a:extLst>
-          </p:cNvPr>
-          <p:cNvSpPr>
-            <a:spLocks noGrp="1"/>
-          </p:cNvSpPr>
-          <p:nvPr>
-            <p:ph type="title"/>
-          </p:nvPr>
-        </p:nvSpPr>
-        <p:spPr/>
-        <p:txBody>
-          <a:bodyPr/>
-          <a:lstStyle/>
-          <a:p>
-            <a:r>
-              <a:rPr lang="en-US" altLang="zh-TW" dirty="0"/>
-              <a:t>F</a:t>
-            </a:r>
-            <a:r>
-              <a:rPr lang="en-US" altLang="zh-TW" cap="none" dirty="0"/>
-              <a:t>orward</a:t>
-            </a:r>
-            <a:r>
-              <a:rPr lang="en-US" altLang="zh-TW" dirty="0"/>
-              <a:t> d</a:t>
-            </a:r>
-            <a:r>
-              <a:rPr lang="en-US" altLang="zh-TW" cap="none" dirty="0"/>
-              <a:t>ifference</a:t>
-            </a:r>
-            <a:endParaRPr lang="zh-TW" altLang="en-US" dirty="0"/>
-          </a:p>
-        </p:txBody>
-      </p:sp>
-      <p:pic>
-        <p:nvPicPr>
-          <p:cNvPr id="5" name="圖片 4">
-            <a:extLst>
-              <a:ext uri="{FF2B5EF4-FFF2-40B4-BE49-F238E27FC236}">
-                <a16:creationId xmlns:a16="http://schemas.microsoft.com/office/drawing/2014/main" id="{71B18BB3-9F5C-4448-B5CB-B05F7112D1CA}"/>
-              </a:ext>
-            </a:extLst>
-          </p:cNvPr>
-          <p:cNvPicPr>
-            <a:picLocks noChangeAspect="1"/>
-          </p:cNvPicPr>
-          <p:nvPr/>
-        </p:nvPicPr>
-        <p:blipFill rotWithShape="1">
-          <a:blip r:embed="rId2">
-            <a:extLst>
-              <a:ext uri="{28A0092B-C50C-407E-A947-70E740481C1C}">
-                <a14:useLocalDpi xmlns:a14="http://schemas.microsoft.com/office/drawing/2010/main" val="0"/>
-              </a:ext>
-            </a:extLst>
-          </a:blip>
-          <a:srcRect l="8306" r="7485"/>
-          <a:stretch/>
-        </p:blipFill>
-        <p:spPr>
-          <a:xfrm>
-            <a:off x="1451579" y="1945184"/>
-            <a:ext cx="9603275" cy="4108298"/>
-          </a:xfrm>
-          <a:prstGeom prst="rect">
-            <a:avLst/>
-          </a:prstGeom>
-        </p:spPr>
-      </p:pic>
-    </p:spTree>
-    <p:extLst>
-      <p:ext uri="{BB962C8B-B14F-4D97-AF65-F5344CB8AC3E}">
-        <p14:creationId xmlns:p14="http://schemas.microsoft.com/office/powerpoint/2010/main" val="912464301"/>
       </p:ext>
     </p:extLst>
   </p:cSld>
